--- a/ARCore.pptx
+++ b/ARCore.pptx
@@ -252,7 +252,7 @@
           <a:p>
             <a:fld id="{F9FB70B9-8368-42D3-9659-62F4E4717E20}" type="datetimeFigureOut">
               <a:rPr kumimoji="1" lang="ja-JP" altLang="en-US" smtClean="0"/>
-              <a:t>2018/3/20</a:t>
+              <a:t>2018/3/26</a:t>
             </a:fld>
             <a:endParaRPr kumimoji="1" lang="ja-JP" altLang="en-US"/>
           </a:p>
@@ -454,7 +454,7 @@
           <a:p>
             <a:fld id="{F9FB70B9-8368-42D3-9659-62F4E4717E20}" type="datetimeFigureOut">
               <a:rPr kumimoji="1" lang="ja-JP" altLang="en-US" smtClean="0"/>
-              <a:t>2018/3/20</a:t>
+              <a:t>2018/3/26</a:t>
             </a:fld>
             <a:endParaRPr kumimoji="1" lang="ja-JP" altLang="en-US"/>
           </a:p>
@@ -666,7 +666,7 @@
           <a:p>
             <a:fld id="{F9FB70B9-8368-42D3-9659-62F4E4717E20}" type="datetimeFigureOut">
               <a:rPr kumimoji="1" lang="ja-JP" altLang="en-US" smtClean="0"/>
-              <a:t>2018/3/20</a:t>
+              <a:t>2018/3/26</a:t>
             </a:fld>
             <a:endParaRPr kumimoji="1" lang="ja-JP" altLang="en-US"/>
           </a:p>
@@ -868,7 +868,7 @@
           <a:p>
             <a:fld id="{F9FB70B9-8368-42D3-9659-62F4E4717E20}" type="datetimeFigureOut">
               <a:rPr kumimoji="1" lang="ja-JP" altLang="en-US" smtClean="0"/>
-              <a:t>2018/3/20</a:t>
+              <a:t>2018/3/26</a:t>
             </a:fld>
             <a:endParaRPr kumimoji="1" lang="ja-JP" altLang="en-US"/>
           </a:p>
@@ -1114,7 +1114,7 @@
           <a:p>
             <a:fld id="{F9FB70B9-8368-42D3-9659-62F4E4717E20}" type="datetimeFigureOut">
               <a:rPr kumimoji="1" lang="ja-JP" altLang="en-US" smtClean="0"/>
-              <a:t>2018/3/20</a:t>
+              <a:t>2018/3/26</a:t>
             </a:fld>
             <a:endParaRPr kumimoji="1" lang="ja-JP" altLang="en-US"/>
           </a:p>
@@ -1410,7 +1410,7 @@
           <a:p>
             <a:fld id="{F9FB70B9-8368-42D3-9659-62F4E4717E20}" type="datetimeFigureOut">
               <a:rPr kumimoji="1" lang="ja-JP" altLang="en-US" smtClean="0"/>
-              <a:t>2018/3/20</a:t>
+              <a:t>2018/3/26</a:t>
             </a:fld>
             <a:endParaRPr kumimoji="1" lang="ja-JP" altLang="en-US"/>
           </a:p>
@@ -1841,7 +1841,7 @@
           <a:p>
             <a:fld id="{F9FB70B9-8368-42D3-9659-62F4E4717E20}" type="datetimeFigureOut">
               <a:rPr kumimoji="1" lang="ja-JP" altLang="en-US" smtClean="0"/>
-              <a:t>2018/3/20</a:t>
+              <a:t>2018/3/26</a:t>
             </a:fld>
             <a:endParaRPr kumimoji="1" lang="ja-JP" altLang="en-US"/>
           </a:p>
@@ -1959,7 +1959,7 @@
           <a:p>
             <a:fld id="{F9FB70B9-8368-42D3-9659-62F4E4717E20}" type="datetimeFigureOut">
               <a:rPr kumimoji="1" lang="ja-JP" altLang="en-US" smtClean="0"/>
-              <a:t>2018/3/20</a:t>
+              <a:t>2018/3/26</a:t>
             </a:fld>
             <a:endParaRPr kumimoji="1" lang="ja-JP" altLang="en-US"/>
           </a:p>
@@ -2054,7 +2054,7 @@
           <a:p>
             <a:fld id="{F9FB70B9-8368-42D3-9659-62F4E4717E20}" type="datetimeFigureOut">
               <a:rPr kumimoji="1" lang="ja-JP" altLang="en-US" smtClean="0"/>
-              <a:t>2018/3/20</a:t>
+              <a:t>2018/3/26</a:t>
             </a:fld>
             <a:endParaRPr kumimoji="1" lang="ja-JP" altLang="en-US"/>
           </a:p>
@@ -2363,7 +2363,7 @@
           <a:p>
             <a:fld id="{F9FB70B9-8368-42D3-9659-62F4E4717E20}" type="datetimeFigureOut">
               <a:rPr kumimoji="1" lang="ja-JP" altLang="en-US" smtClean="0"/>
-              <a:t>2018/3/20</a:t>
+              <a:t>2018/3/26</a:t>
             </a:fld>
             <a:endParaRPr kumimoji="1" lang="ja-JP" altLang="en-US"/>
           </a:p>
@@ -2616,7 +2616,7 @@
           <a:p>
             <a:fld id="{F9FB70B9-8368-42D3-9659-62F4E4717E20}" type="datetimeFigureOut">
               <a:rPr kumimoji="1" lang="ja-JP" altLang="en-US" smtClean="0"/>
-              <a:t>2018/3/20</a:t>
+              <a:t>2018/3/26</a:t>
             </a:fld>
             <a:endParaRPr kumimoji="1" lang="ja-JP" altLang="en-US"/>
           </a:p>
@@ -2861,7 +2861,7 @@
           <a:p>
             <a:fld id="{F9FB70B9-8368-42D3-9659-62F4E4717E20}" type="datetimeFigureOut">
               <a:rPr kumimoji="1" lang="ja-JP" altLang="en-US" smtClean="0"/>
-              <a:t>2018/3/20</a:t>
+              <a:t>2018/3/26</a:t>
             </a:fld>
             <a:endParaRPr kumimoji="1" lang="ja-JP" altLang="en-US"/>
           </a:p>
@@ -3281,7 +3281,19 @@
           <a:bodyPr/>
           <a:lstStyle/>
           <a:p>
-            <a:endParaRPr kumimoji="1" lang="ja-JP" altLang="en-US"/>
+            <a:r>
+              <a:rPr kumimoji="1" lang="en-US" altLang="ja-JP" dirty="0" err="1" smtClean="0"/>
+              <a:t>ARCore</a:t>
+            </a:r>
+            <a:r>
+              <a:rPr lang="ja-JP" altLang="en-US" dirty="0"/>
+              <a:t>さわ</a:t>
+            </a:r>
+            <a:r>
+              <a:rPr kumimoji="1" lang="ja-JP" altLang="en-US" dirty="0" smtClean="0"/>
+              <a:t>ってみた</a:t>
+            </a:r>
+            <a:endParaRPr kumimoji="1" lang="ja-JP" altLang="en-US" dirty="0"/>
           </a:p>
         </p:txBody>
       </p:sp>
@@ -5670,7 +5682,19 @@
             </a:r>
             <a:r>
               <a:rPr lang="ja-JP" altLang="en-US" dirty="0" smtClean="0"/>
-              <a:t>端末は今後に期待</a:t>
+              <a:t>端末は今後に</a:t>
+            </a:r>
+            <a:r>
+              <a:rPr lang="ja-JP" altLang="en-US" dirty="0" smtClean="0"/>
+              <a:t>期待</a:t>
+            </a:r>
+            <a:endParaRPr lang="en-US" altLang="ja-JP" dirty="0" smtClean="0"/>
+          </a:p>
+          <a:p>
+            <a:pPr lvl="1"/>
+            <a:r>
+              <a:rPr kumimoji="1" lang="ja-JP" altLang="en-US" dirty="0" smtClean="0"/>
+              <a:t>高負荷なことはできないので、実装時から考慮する必要あり</a:t>
             </a:r>
             <a:endParaRPr kumimoji="1" lang="en-US" altLang="ja-JP" dirty="0" smtClean="0"/>
           </a:p>

--- a/ARCore.pptx
+++ b/ARCore.pptx
@@ -252,7 +252,7 @@
           <a:p>
             <a:fld id="{F9FB70B9-8368-42D3-9659-62F4E4717E20}" type="datetimeFigureOut">
               <a:rPr kumimoji="1" lang="ja-JP" altLang="en-US" smtClean="0"/>
-              <a:t>2018/3/26</a:t>
+              <a:t>2018/3/28</a:t>
             </a:fld>
             <a:endParaRPr kumimoji="1" lang="ja-JP" altLang="en-US"/>
           </a:p>
@@ -454,7 +454,7 @@
           <a:p>
             <a:fld id="{F9FB70B9-8368-42D3-9659-62F4E4717E20}" type="datetimeFigureOut">
               <a:rPr kumimoji="1" lang="ja-JP" altLang="en-US" smtClean="0"/>
-              <a:t>2018/3/26</a:t>
+              <a:t>2018/3/28</a:t>
             </a:fld>
             <a:endParaRPr kumimoji="1" lang="ja-JP" altLang="en-US"/>
           </a:p>
@@ -666,7 +666,7 @@
           <a:p>
             <a:fld id="{F9FB70B9-8368-42D3-9659-62F4E4717E20}" type="datetimeFigureOut">
               <a:rPr kumimoji="1" lang="ja-JP" altLang="en-US" smtClean="0"/>
-              <a:t>2018/3/26</a:t>
+              <a:t>2018/3/28</a:t>
             </a:fld>
             <a:endParaRPr kumimoji="1" lang="ja-JP" altLang="en-US"/>
           </a:p>
@@ -868,7 +868,7 @@
           <a:p>
             <a:fld id="{F9FB70B9-8368-42D3-9659-62F4E4717E20}" type="datetimeFigureOut">
               <a:rPr kumimoji="1" lang="ja-JP" altLang="en-US" smtClean="0"/>
-              <a:t>2018/3/26</a:t>
+              <a:t>2018/3/28</a:t>
             </a:fld>
             <a:endParaRPr kumimoji="1" lang="ja-JP" altLang="en-US"/>
           </a:p>
@@ -1114,7 +1114,7 @@
           <a:p>
             <a:fld id="{F9FB70B9-8368-42D3-9659-62F4E4717E20}" type="datetimeFigureOut">
               <a:rPr kumimoji="1" lang="ja-JP" altLang="en-US" smtClean="0"/>
-              <a:t>2018/3/26</a:t>
+              <a:t>2018/3/28</a:t>
             </a:fld>
             <a:endParaRPr kumimoji="1" lang="ja-JP" altLang="en-US"/>
           </a:p>
@@ -1410,7 +1410,7 @@
           <a:p>
             <a:fld id="{F9FB70B9-8368-42D3-9659-62F4E4717E20}" type="datetimeFigureOut">
               <a:rPr kumimoji="1" lang="ja-JP" altLang="en-US" smtClean="0"/>
-              <a:t>2018/3/26</a:t>
+              <a:t>2018/3/28</a:t>
             </a:fld>
             <a:endParaRPr kumimoji="1" lang="ja-JP" altLang="en-US"/>
           </a:p>
@@ -1841,7 +1841,7 @@
           <a:p>
             <a:fld id="{F9FB70B9-8368-42D3-9659-62F4E4717E20}" type="datetimeFigureOut">
               <a:rPr kumimoji="1" lang="ja-JP" altLang="en-US" smtClean="0"/>
-              <a:t>2018/3/26</a:t>
+              <a:t>2018/3/28</a:t>
             </a:fld>
             <a:endParaRPr kumimoji="1" lang="ja-JP" altLang="en-US"/>
           </a:p>
@@ -1959,7 +1959,7 @@
           <a:p>
             <a:fld id="{F9FB70B9-8368-42D3-9659-62F4E4717E20}" type="datetimeFigureOut">
               <a:rPr kumimoji="1" lang="ja-JP" altLang="en-US" smtClean="0"/>
-              <a:t>2018/3/26</a:t>
+              <a:t>2018/3/28</a:t>
             </a:fld>
             <a:endParaRPr kumimoji="1" lang="ja-JP" altLang="en-US"/>
           </a:p>
@@ -2054,7 +2054,7 @@
           <a:p>
             <a:fld id="{F9FB70B9-8368-42D3-9659-62F4E4717E20}" type="datetimeFigureOut">
               <a:rPr kumimoji="1" lang="ja-JP" altLang="en-US" smtClean="0"/>
-              <a:t>2018/3/26</a:t>
+              <a:t>2018/3/28</a:t>
             </a:fld>
             <a:endParaRPr kumimoji="1" lang="ja-JP" altLang="en-US"/>
           </a:p>
@@ -2363,7 +2363,7 @@
           <a:p>
             <a:fld id="{F9FB70B9-8368-42D3-9659-62F4E4717E20}" type="datetimeFigureOut">
               <a:rPr kumimoji="1" lang="ja-JP" altLang="en-US" smtClean="0"/>
-              <a:t>2018/3/26</a:t>
+              <a:t>2018/3/28</a:t>
             </a:fld>
             <a:endParaRPr kumimoji="1" lang="ja-JP" altLang="en-US"/>
           </a:p>
@@ -2616,7 +2616,7 @@
           <a:p>
             <a:fld id="{F9FB70B9-8368-42D3-9659-62F4E4717E20}" type="datetimeFigureOut">
               <a:rPr kumimoji="1" lang="ja-JP" altLang="en-US" smtClean="0"/>
-              <a:t>2018/3/26</a:t>
+              <a:t>2018/3/28</a:t>
             </a:fld>
             <a:endParaRPr kumimoji="1" lang="ja-JP" altLang="en-US"/>
           </a:p>
@@ -2861,7 +2861,7 @@
           <a:p>
             <a:fld id="{F9FB70B9-8368-42D3-9659-62F4E4717E20}" type="datetimeFigureOut">
               <a:rPr kumimoji="1" lang="ja-JP" altLang="en-US" smtClean="0"/>
-              <a:t>2018/3/26</a:t>
+              <a:t>2018/3/28</a:t>
             </a:fld>
             <a:endParaRPr kumimoji="1" lang="ja-JP" altLang="en-US"/>
           </a:p>
@@ -4674,7 +4674,18 @@
           <a:p>
             <a:r>
               <a:rPr lang="ja-JP" altLang="en-US" dirty="0" smtClean="0"/>
-              <a:t>光源位置の推定</a:t>
+              <a:t>光源位置の</a:t>
+            </a:r>
+            <a:r>
+              <a:rPr lang="ja-JP" altLang="en-US" dirty="0" smtClean="0"/>
+              <a:t>推定</a:t>
+            </a:r>
+            <a:endParaRPr lang="en-US" altLang="ja-JP" dirty="0"/>
+          </a:p>
+          <a:p>
+            <a:r>
+              <a:rPr lang="ja-JP" altLang="en-US" dirty="0" smtClean="0"/>
+              <a:t>端末基準の相対的な推定</a:t>
             </a:r>
             <a:endParaRPr lang="en-US" altLang="ja-JP" dirty="0" smtClean="0"/>
           </a:p>
@@ -4742,21 +4753,13 @@
             <a:endParaRPr lang="en-US" altLang="ja-JP" dirty="0" smtClean="0"/>
           </a:p>
           <a:p>
-            <a:pPr lvl="1"/>
-            <a:r>
-              <a:rPr kumimoji="1" lang="ja-JP" altLang="en-US" dirty="0"/>
-              <a:t>明るい</a:t>
-            </a:r>
-            <a:r>
-              <a:rPr kumimoji="1" lang="ja-JP" altLang="en-US" dirty="0" smtClean="0"/>
-              <a:t>とか暗いとか</a:t>
-            </a:r>
-            <a:endParaRPr kumimoji="1" lang="en-US" altLang="ja-JP" dirty="0" smtClean="0"/>
-          </a:p>
-          <a:p>
-            <a:r>
-              <a:rPr lang="ja-JP" altLang="en-US" dirty="0" smtClean="0"/>
-              <a:t>端末に合わせた最適化</a:t>
+            <a:r>
+              <a:rPr lang="ja-JP" altLang="en-US" dirty="0" smtClean="0"/>
+              <a:t>端末</a:t>
+            </a:r>
+            <a:r>
+              <a:rPr lang="ja-JP" altLang="en-US" dirty="0" smtClean="0"/>
+              <a:t>に合わせた最適化</a:t>
             </a:r>
             <a:endParaRPr lang="en-US" altLang="ja-JP" dirty="0" smtClean="0"/>
           </a:p>
@@ -4768,7 +4771,18 @@
             </a:r>
             <a:r>
               <a:rPr lang="ja-JP" altLang="en-US" dirty="0" smtClean="0"/>
-              <a:t>との比較</a:t>
+              <a:t>との</a:t>
+            </a:r>
+            <a:r>
+              <a:rPr lang="ja-JP" altLang="en-US" dirty="0" smtClean="0"/>
+              <a:t>比較</a:t>
+            </a:r>
+            <a:endParaRPr lang="en-US" altLang="ja-JP" dirty="0" smtClean="0"/>
+          </a:p>
+          <a:p>
+            <a:r>
+              <a:rPr lang="ja-JP" altLang="en-US" dirty="0" smtClean="0"/>
+              <a:t>絶対位置の取得</a:t>
             </a:r>
             <a:endParaRPr lang="en-US" altLang="ja-JP" dirty="0" smtClean="0"/>
           </a:p>
@@ -5336,7 +5350,11 @@
           <a:p>
             <a:r>
               <a:rPr lang="ja-JP" altLang="en-US" dirty="0" smtClean="0"/>
-              <a:t>反面精度はそんなに高くない</a:t>
+              <a:t>精度</a:t>
+            </a:r>
+            <a:r>
+              <a:rPr lang="ja-JP" altLang="en-US" dirty="0" smtClean="0"/>
+              <a:t>はそんなに高くない</a:t>
             </a:r>
             <a:endParaRPr lang="en-US" altLang="ja-JP" dirty="0" smtClean="0"/>
           </a:p>
@@ -5379,7 +5397,11 @@
             <a:pPr lvl="2"/>
             <a:r>
               <a:rPr lang="ja-JP" altLang="en-US" dirty="0" smtClean="0"/>
-              <a:t>除々に一致していくので動き回るとよい</a:t>
+              <a:t>探索範囲が広がると一致</a:t>
+            </a:r>
+            <a:r>
+              <a:rPr lang="ja-JP" altLang="en-US" dirty="0" smtClean="0"/>
+              <a:t>していくので動き回るとよい</a:t>
             </a:r>
             <a:endParaRPr lang="en-US" altLang="ja-JP" dirty="0"/>
           </a:p>
@@ -5528,35 +5550,31 @@
           </a:p>
           <a:p>
             <a:pPr lvl="2"/>
+            <a:endParaRPr lang="en-US" altLang="ja-JP" dirty="0" smtClean="0"/>
+          </a:p>
+          <a:p>
+            <a:pPr lvl="1"/>
+            <a:r>
+              <a:rPr lang="en-US" altLang="ja-JP" dirty="0" smtClean="0"/>
+              <a:t>GUI</a:t>
+            </a:r>
+            <a:r>
+              <a:rPr lang="ja-JP" altLang="en-US" dirty="0"/>
+              <a:t>上での</a:t>
+            </a:r>
+            <a:r>
+              <a:rPr lang="ja-JP" altLang="en-US" dirty="0" smtClean="0"/>
+              <a:t>設定変更と</a:t>
+            </a:r>
+            <a:r>
+              <a:rPr lang="en-US" altLang="ja-JP" dirty="0" smtClean="0"/>
+              <a:t>C#</a:t>
+            </a:r>
+            <a:r>
+              <a:rPr lang="ja-JP" altLang="en-US" dirty="0" smtClean="0"/>
+              <a:t>スクリプトを両方編集する必要あり</a:t>
+            </a:r>
             <a:endParaRPr lang="en-US" altLang="ja-JP" dirty="0"/>
-          </a:p>
-          <a:p>
-            <a:pPr lvl="1"/>
-            <a:endParaRPr lang="en-US" altLang="ja-JP" dirty="0" smtClean="0"/>
-          </a:p>
-          <a:p>
-            <a:pPr lvl="2"/>
-            <a:r>
-              <a:rPr lang="ja-JP" altLang="en-US" dirty="0" smtClean="0"/>
-              <a:t>なんか</a:t>
-            </a:r>
-            <a:r>
-              <a:rPr lang="en-US" altLang="ja-JP" dirty="0" err="1" smtClean="0"/>
-              <a:t>ARCore</a:t>
-            </a:r>
-            <a:r>
-              <a:rPr lang="ja-JP" altLang="en-US" dirty="0" smtClean="0"/>
-              <a:t>の</a:t>
-            </a:r>
-            <a:r>
-              <a:rPr lang="en-US" altLang="ja-JP" dirty="0" smtClean="0"/>
-              <a:t>method</a:t>
-            </a:r>
-            <a:r>
-              <a:rPr lang="ja-JP" altLang="en-US" dirty="0" smtClean="0"/>
-              <a:t>使いたい</a:t>
-            </a:r>
-            <a:endParaRPr lang="en-US" altLang="ja-JP" dirty="0" smtClean="0"/>
           </a:p>
         </p:txBody>
       </p:sp>
@@ -5682,11 +5700,7 @@
             </a:r>
             <a:r>
               <a:rPr lang="ja-JP" altLang="en-US" dirty="0" smtClean="0"/>
-              <a:t>端末は今後に</a:t>
-            </a:r>
-            <a:r>
-              <a:rPr lang="ja-JP" altLang="en-US" dirty="0" smtClean="0"/>
-              <a:t>期待</a:t>
+              <a:t>端末は今後に期待</a:t>
             </a:r>
             <a:endParaRPr lang="en-US" altLang="ja-JP" dirty="0" smtClean="0"/>
           </a:p>

--- a/ARCore.pptx
+++ b/ARCore.pptx
@@ -5457,7 +5457,7 @@
           <a:p>
             <a:r>
               <a:rPr kumimoji="1" lang="ja-JP" altLang="en-US" dirty="0" smtClean="0"/>
-              <a:t>コードをいじってみる</a:t>
+              <a:t>サンプルを編集してみる</a:t>
             </a:r>
             <a:endParaRPr kumimoji="1" lang="ja-JP" altLang="en-US" dirty="0"/>
           </a:p>
@@ -5795,7 +5795,31 @@
             </a:r>
             <a:r>
               <a:rPr lang="ja-JP" altLang="en-US" dirty="0" smtClean="0"/>
-              <a:t> に対応</a:t>
+              <a:t> に</a:t>
+            </a:r>
+            <a:r>
+              <a:rPr lang="ja-JP" altLang="en-US" dirty="0" smtClean="0"/>
+              <a:t>対応</a:t>
+            </a:r>
+            <a:endParaRPr lang="en-US" altLang="ja-JP" dirty="0" smtClean="0"/>
+          </a:p>
+          <a:p>
+            <a:pPr lvl="2"/>
+            <a:r>
+              <a:rPr lang="en-US" altLang="ja-JP" dirty="0" smtClean="0"/>
+              <a:t>Android</a:t>
+            </a:r>
+            <a:r>
+              <a:rPr lang="ja-JP" altLang="en-US" dirty="0" smtClean="0"/>
+              <a:t> </a:t>
+            </a:r>
+            <a:r>
+              <a:rPr lang="en-US" altLang="ja-JP" dirty="0" smtClean="0"/>
+              <a:t>Studio</a:t>
+            </a:r>
+            <a:r>
+              <a:rPr lang="ja-JP" altLang="en-US" dirty="0" smtClean="0"/>
+              <a:t>でやるのは視覚化できないため難しい</a:t>
             </a:r>
             <a:endParaRPr lang="en-US" altLang="ja-JP" dirty="0" smtClean="0"/>
           </a:p>
